--- a/src/Example PPT.pptx
+++ b/src/Example PPT.pptx
@@ -3162,6 +3162,11 @@
           <a:bodyPr/>
           <a:lstStyle/>
           <a:p>
+            <a:pPr>
+              <a:defRPr sz="2400">
+                <a:latin typeface="Calibri"/>
+              </a:defRPr>
+            </a:pPr>
             <a:r>
               <a:t>Введение</a:t>
             </a:r>
@@ -3183,8 +3188,13 @@
           <a:bodyPr/>
           <a:lstStyle/>
           <a:p>
-            <a:r>
-              <a:t>В рамках исследования в области анализа тональности текста сейчас актуально использование трансформеров для подробного анализа отзывов и др. текстов, т. е. не просто предоставление рейтинга всего текста, а полный отчет об отношении к различным объектам, например к самому фильму, к режиссеру или актерам. Это должно позволить строить более точные рекомендательные системы и об</a:t>
+            <a:pPr>
+              <a:defRPr sz="2000">
+                <a:latin typeface="Calibri"/>
+              </a:defRPr>
+            </a:pPr>
+            <a:r>
+              <a:t>В рамках исследования в области анализа тональности текста сейчас актуально использование трансформеров для подробного анализа отзывов и др. текстов, т. е. не просто предоставление рейтинга всего текста, а полный отчет об отношении к различным объектам, например к самому фильму, к режиссеру или актерам. Однако часто на популярные товары оставляется огромное количество отзывов и появляется задача ранжирования отзывов по полезности. В настоящее время существует огромное количество платформ, которые</a:t>
             </a:r>
           </a:p>
         </p:txBody>
@@ -3222,6 +3232,11 @@
           <a:bodyPr/>
           <a:lstStyle/>
           <a:p>
+            <a:pPr>
+              <a:defRPr sz="2400">
+                <a:latin typeface="Calibri"/>
+              </a:defRPr>
+            </a:pPr>
             <a:r>
               <a:t>Задачами работы являются:</a:t>
             </a:r>
@@ -3243,26 +3258,27 @@
           <a:bodyPr/>
           <a:lstStyle/>
           <a:p>
+            <a:pPr>
+              <a:defRPr sz="2000">
+                <a:latin typeface="Calibri"/>
+              </a:defRPr>
+            </a:pPr>
             <a:r>
               <a:t>Составить список источников для аналитического обзора</a:t>
             </a:r>
-          </a:p>
-          <a:p>
+            <a:br/>
             <a:r>
               <a:t>Провести анализ существующих исследований и архитектур нейронных сетей для анализа тональности текста</a:t>
             </a:r>
-          </a:p>
-          <a:p>
+            <a:br/>
             <a:r>
               <a:t>Подготовить наборы данных для тренировки, валидации и тестирования нейронной сети, которые можно использовать для дальнейшей работы</a:t>
             </a:r>
-          </a:p>
-          <a:p>
+            <a:br/>
             <a:r>
               <a:t>Разработать архитектуру нейронной сети и протестировать ее</a:t>
             </a:r>
-          </a:p>
-          <a:p>
+            <a:br/>
             <a:r>
               <a:t>Разработать сервис для подробного анализа отзывов пользователей</a:t>
             </a:r>
@@ -3302,6 +3318,11 @@
           <a:bodyPr/>
           <a:lstStyle/>
           <a:p>
+            <a:pPr>
+              <a:defRPr sz="2400">
+                <a:latin typeface="Calibri"/>
+              </a:defRPr>
+            </a:pPr>
             <a:r>
               <a:t>Степень научной изученности и разработанности выбранной темы</a:t>
             </a:r>
@@ -3323,8 +3344,13 @@
           <a:bodyPr/>
           <a:lstStyle/>
           <a:p>
-            <a:r>
-              <a:t>В последние годы в области нейросетей и автоматизированной обработки естественной речи (NLP) наметился значительный прогресс. На сегодня это самая продвинутая техника в области обработка естественной речи, направленная на решение последовательностей с легкой обработкой дальнодействующих зависимостей. На сегодня рассматриваются стандартные модели с архитектурой transformer.</a:t>
+            <a:pPr>
+              <a:defRPr sz="2000">
+                <a:latin typeface="Calibri"/>
+              </a:defRPr>
+            </a:pPr>
+            <a:r>
+              <a:t>Российские нейросетьи активно осваивают новый тип нейросетей — трансформеры. На сегодня это самая продвинутая техника в области обработки естественной речи, направленная на решение последовательностей с легкой обработкой дальнодействующих зависимостей. С их помощью можно переводить текст, писать стихи и статьи и даже генерировать компьютерный код. Однако трансформеры сложно тренировать, они подвержены так называемой проблеме исчезающего/</a:t>
             </a:r>
           </a:p>
         </p:txBody>

--- a/src/Example PPT.pptx
+++ b/src/Example PPT.pptx
@@ -3098,28 +3098,28 @@
             <a:spLocks noGrp="1"/>
           </p:cNvSpPr>
           <p:nvPr>
-            <p:ph type="title"/>
-          </p:nvPr>
-        </p:nvSpPr>
-        <p:spPr/>
-        <p:txBody>
-          <a:bodyPr/>
-          <a:lstStyle/>
-          <a:p>
-            <a:r>
-              <a:t>Title</a:t>
-            </a:r>
-          </a:p>
-        </p:txBody>
-      </p:sp>
-      <p:sp>
-        <p:nvSpPr>
-          <p:cNvPr id="3" name="Content Placeholder 2"/>
-          <p:cNvSpPr>
-            <a:spLocks noGrp="1"/>
-          </p:cNvSpPr>
-          <p:nvPr>
-            <p:ph idx="1"/>
+            <p:ph type="ctrTitle"/>
+          </p:nvPr>
+        </p:nvSpPr>
+        <p:spPr/>
+        <p:txBody>
+          <a:bodyPr/>
+          <a:lstStyle/>
+          <a:p>
+            <a:r>
+              <a:t>АНАЛИТИЧЕСКИЙ ОБЗОР</a:t>
+            </a:r>
+          </a:p>
+        </p:txBody>
+      </p:sp>
+      <p:sp>
+        <p:nvSpPr>
+          <p:cNvPr id="3" name="Subtitle 2"/>
+          <p:cNvSpPr>
+            <a:spLocks noGrp="1"/>
+          </p:cNvSpPr>
+          <p:nvPr>
+            <p:ph type="subTitle" idx="1"/>
           </p:nvPr>
         </p:nvSpPr>
         <p:spPr/>
@@ -3163,7 +3163,7 @@
           <a:lstStyle/>
           <a:p>
             <a:pPr>
-              <a:defRPr sz="2400">
+              <a:defRPr sz="3000" u="sng">
                 <a:latin typeface="Calibri"/>
               </a:defRPr>
             </a:pPr>
@@ -3194,7 +3194,7 @@
               </a:defRPr>
             </a:pPr>
             <a:r>
-              <a:t>В рамках исследования в области анализа тональности текста сейчас актуально использование трансформеров для подробного анализа отзывов и др. текстов, т. е. не просто предоставление рейтинга всего текста, а полный отчет об отношении к различным объектам, например к самому фильму, к режиссеру или актерам. Однако часто на популярные товары оставляется огромное количество отзывов и появляется задача ранжирования отзывов по полезности. В настоящее время существует огромное количество платформ, которые</a:t>
+              <a:t>В рамках исследования в области анализа тональности текста сейчас актуально использование трансформеров для подробного анализа отзывов и др. текстов, т. е. не просто предоставление рейтинга всего текста, а полный отчет об отношении к различным объектам, например к самому фильму, к режиссеру или актерам. Однако часто на популярные товары оставляется огромное количество отзывов и появляется задача ранжирования отзывов по полезности [2]. В настоящее время существует огромное количество платформ, которые позволяют пользователям размещать отзывы о различных товарах, услуги или рассказать о своем опыте работы в той или иной компании; эти обзоры отражают потребительский опыт и снижают неопределенность при онлайн-покупках [1].</a:t>
             </a:r>
           </a:p>
         </p:txBody>
@@ -3233,7 +3233,7 @@
           <a:lstStyle/>
           <a:p>
             <a:pPr>
-              <a:defRPr sz="2400">
+              <a:defRPr sz="3000" u="sng">
                 <a:latin typeface="Calibri"/>
               </a:defRPr>
             </a:pPr>
@@ -3319,7 +3319,7 @@
           <a:lstStyle/>
           <a:p>
             <a:pPr>
-              <a:defRPr sz="2400">
+              <a:defRPr sz="3000" u="sng">
                 <a:latin typeface="Calibri"/>
               </a:defRPr>
             </a:pPr>
@@ -3350,7 +3350,7 @@
               </a:defRPr>
             </a:pPr>
             <a:r>
-              <a:t>Российские нейросетьи активно осваивают новый тип нейросетей — трансформеры. На сегодня это самая продвинутая техника в области обработки естественной речи, направленная на решение последовательностей с легкой обработкой дальнодействующих зависимостей. С их помощью можно переводить текст, писать стихи и статьи и даже генерировать компьютерный код. Однако трансформеры сложно тренировать, они подвержены так называемой проблеме исчезающего/</a:t>
+              <a:t>Российские нейросетьи активно осваивают новый тип нейросетей — трансформеры. На сегодня это самая продвинутая техника в области обработки естественной речи, направленная на решение последовательностей с легкой обработкой дальнодействующих зависимостей. С их помощью можно переводить текст, писать стихи и статьи и даже генерировать компьютерный код. Однако трансформеры сложно тренировать, они подвержены так называемой проблеме исчезающего/взрывающегося градиента. В таблице 1 представлены наборы данных для анализа тональности русязычного текста, которые могут быть использованы в процессе исследования проблемы, а также расшифровывают ее в виде новой последовательности (например, ответ на вопрос) слов на другом языке — смотря для каких целей создавалась нейросеть.</a:t>
             </a:r>
           </a:p>
         </p:txBody>

--- a/src/Example PPT.pptx
+++ b/src/Example PPT.pptx
@@ -3157,13 +3157,18 @@
             <p:ph type="title"/>
           </p:nvPr>
         </p:nvSpPr>
-        <p:spPr/>
+        <p:spPr>
+          <a:xfrm>
+            <a:off x="457200" y="274320"/>
+            <a:ext cx="4114800" cy="914400"/>
+          </a:xfrm>
+        </p:spPr>
         <p:txBody>
           <a:bodyPr/>
           <a:lstStyle/>
           <a:p>
             <a:pPr>
-              <a:defRPr sz="3000" u="sng">
+              <a:defRPr sz="1800" u="sng">
                 <a:latin typeface="Calibri"/>
               </a:defRPr>
             </a:pPr>
@@ -3183,13 +3188,18 @@
             <p:ph idx="1"/>
           </p:nvPr>
         </p:nvSpPr>
-        <p:spPr/>
-        <p:txBody>
-          <a:bodyPr/>
-          <a:lstStyle/>
-          <a:p>
-            <a:pPr>
-              <a:defRPr sz="2000">
+        <p:spPr>
+          <a:xfrm>
+            <a:off x="0" y="1371600"/>
+            <a:ext cx="4572000" cy="7315200"/>
+          </a:xfrm>
+        </p:spPr>
+        <p:txBody>
+          <a:bodyPr/>
+          <a:lstStyle/>
+          <a:p>
+            <a:pPr algn="just">
+              <a:defRPr sz="1400">
                 <a:latin typeface="Calibri"/>
               </a:defRPr>
             </a:pPr>
@@ -3199,6 +3209,30 @@
           </a:p>
         </p:txBody>
       </p:sp>
+      <p:pic>
+        <p:nvPicPr>
+          <p:cNvPr id="4" name="Picture 3" descr="1.jpg"/>
+          <p:cNvPicPr>
+            <a:picLocks noChangeAspect="1"/>
+          </p:cNvPicPr>
+          <p:nvPr/>
+        </p:nvPicPr>
+        <p:blipFill>
+          <a:blip r:embed="rId2"/>
+          <a:stretch>
+            <a:fillRect/>
+          </a:stretch>
+        </p:blipFill>
+        <p:spPr>
+          <a:xfrm>
+            <a:off x="4800600" y="457200"/>
+            <a:ext cx="4114800" cy="5943600"/>
+          </a:xfrm>
+          <a:prstGeom prst="rect">
+            <a:avLst/>
+          </a:prstGeom>
+        </p:spPr>
+      </p:pic>
     </p:spTree>
   </p:cSld>
   <p:clrMapOvr>
@@ -3227,13 +3261,18 @@
             <p:ph type="title"/>
           </p:nvPr>
         </p:nvSpPr>
-        <p:spPr/>
+        <p:spPr>
+          <a:xfrm>
+            <a:off x="2560320" y="274320"/>
+            <a:ext cx="4114800" cy="914400"/>
+          </a:xfrm>
+        </p:spPr>
         <p:txBody>
           <a:bodyPr/>
           <a:lstStyle/>
           <a:p>
             <a:pPr>
-              <a:defRPr sz="3000" u="sng">
+              <a:defRPr sz="1800" u="sng">
                 <a:latin typeface="Calibri"/>
               </a:defRPr>
             </a:pPr>
@@ -3253,32 +3292,62 @@
             <p:ph idx="1"/>
           </p:nvPr>
         </p:nvSpPr>
-        <p:spPr/>
-        <p:txBody>
-          <a:bodyPr/>
-          <a:lstStyle/>
+        <p:spPr>
+          <a:xfrm>
+            <a:off x="1371600" y="1371600"/>
+            <a:ext cx="7315200" cy="7315200"/>
+          </a:xfrm>
+        </p:spPr>
+        <p:txBody>
+          <a:bodyPr/>
+          <a:lstStyle/>
+          <a:p/>
           <a:p>
             <a:pPr>
-              <a:defRPr sz="2000">
+              <a:defRPr sz="1400">
                 <a:latin typeface="Calibri"/>
               </a:defRPr>
             </a:pPr>
             <a:r>
               <a:t>Составить список источников для аналитического обзора</a:t>
             </a:r>
-            <a:br/>
+          </a:p>
+          <a:p>
+            <a:pPr>
+              <a:defRPr sz="1400">
+                <a:latin typeface="Calibri"/>
+              </a:defRPr>
+            </a:pPr>
             <a:r>
               <a:t>Провести анализ существующих исследований и архитектур нейронных сетей для анализа тональности текста</a:t>
             </a:r>
-            <a:br/>
+          </a:p>
+          <a:p>
+            <a:pPr>
+              <a:defRPr sz="1400">
+                <a:latin typeface="Calibri"/>
+              </a:defRPr>
+            </a:pPr>
             <a:r>
               <a:t>Подготовить наборы данных для тренировки, валидации и тестирования нейронной сети, которые можно использовать для дальнейшей работы</a:t>
             </a:r>
-            <a:br/>
+          </a:p>
+          <a:p>
+            <a:pPr>
+              <a:defRPr sz="1400">
+                <a:latin typeface="Calibri"/>
+              </a:defRPr>
+            </a:pPr>
             <a:r>
               <a:t>Разработать архитектуру нейронной сети и протестировать ее</a:t>
             </a:r>
-            <a:br/>
+          </a:p>
+          <a:p>
+            <a:pPr>
+              <a:defRPr sz="1400">
+                <a:latin typeface="Calibri"/>
+              </a:defRPr>
+            </a:pPr>
             <a:r>
               <a:t>Разработать сервис для подробного анализа отзывов пользователей</a:t>
             </a:r>
@@ -3313,13 +3382,18 @@
             <p:ph type="title"/>
           </p:nvPr>
         </p:nvSpPr>
-        <p:spPr/>
+        <p:spPr>
+          <a:xfrm>
+            <a:off x="457200" y="274320"/>
+            <a:ext cx="4114800" cy="914400"/>
+          </a:xfrm>
+        </p:spPr>
         <p:txBody>
           <a:bodyPr/>
           <a:lstStyle/>
           <a:p>
             <a:pPr>
-              <a:defRPr sz="3000" u="sng">
+              <a:defRPr sz="1800" u="sng">
                 <a:latin typeface="Calibri"/>
               </a:defRPr>
             </a:pPr>
@@ -3339,13 +3413,18 @@
             <p:ph idx="1"/>
           </p:nvPr>
         </p:nvSpPr>
-        <p:spPr/>
-        <p:txBody>
-          <a:bodyPr/>
-          <a:lstStyle/>
-          <a:p>
-            <a:pPr>
-              <a:defRPr sz="2000">
+        <p:spPr>
+          <a:xfrm>
+            <a:off x="0" y="1371600"/>
+            <a:ext cx="4572000" cy="7315200"/>
+          </a:xfrm>
+        </p:spPr>
+        <p:txBody>
+          <a:bodyPr/>
+          <a:lstStyle/>
+          <a:p>
+            <a:pPr algn="just">
+              <a:defRPr sz="1400">
                 <a:latin typeface="Calibri"/>
               </a:defRPr>
             </a:pPr>
@@ -3355,6 +3434,30 @@
           </a:p>
         </p:txBody>
       </p:sp>
+      <p:pic>
+        <p:nvPicPr>
+          <p:cNvPr id="4" name="Picture 3" descr="2.jpg"/>
+          <p:cNvPicPr>
+            <a:picLocks noChangeAspect="1"/>
+          </p:cNvPicPr>
+          <p:nvPr/>
+        </p:nvPicPr>
+        <p:blipFill>
+          <a:blip r:embed="rId2"/>
+          <a:stretch>
+            <a:fillRect/>
+          </a:stretch>
+        </p:blipFill>
+        <p:spPr>
+          <a:xfrm>
+            <a:off x="4800600" y="457200"/>
+            <a:ext cx="4114800" cy="5943600"/>
+          </a:xfrm>
+          <a:prstGeom prst="rect">
+            <a:avLst/>
+          </a:prstGeom>
+        </p:spPr>
+      </p:pic>
     </p:spTree>
   </p:cSld>
   <p:clrMapOvr>
